--- a/2022秋季-数据结构-第3章-线性结构b.pptx
+++ b/2022秋季-数据结构-第3章-线性结构b.pptx
@@ -125,7 +125,7 @@
       </a:defRPr>
     </a:lvl9pPr>
   </p:defaultTextStyle>
-  <p:modifyVerifier cryptProviderType="rsaFull" cryptAlgorithmClass="hash" cryptAlgorithmType="typeAny" cryptAlgorithmSid="4" spinCount="100000" saltData="mRnlhPbm4kfw1hd92eJXMw==" hashData="F20P70uylz8NtL8/37veHZuCZEc="/>
+  <p:modifyVerifier cryptProviderType="rsaFull" cryptAlgorithmClass="hash" cryptAlgorithmType="typeAny" cryptAlgorithmSid="4" spinCount="100000" saltData="D0+NCDLWltfkKZHCJJCFQA==" hashData="cD1kI71WRUW7ok23zF2gH0at1qE="/>
 </p:presentation>
 </file>
 
@@ -4553,7 +4553,7 @@
                 <a:latin typeface="Arial Regular" panose="020B0604020202020204" charset="0"/>
                 <a:ea typeface="PingFang SC Regular" panose="020B0400000000000000" charset="-122"/>
                 <a:cs typeface="Arial Regular" panose="020B0604020202020204" charset="0"/>
-                <a:hlinkClick r:id="rId1" tooltip="" action="ppaction://hlinkfile"/>
+                <a:hlinkClick r:id="rId1" action="ppaction://hlinkfile"/>
               </a:rPr>
               <a:t>URL</a:t>
             </a:r>
@@ -10881,7 +10881,7 @@
             </a:r>
             <a:r>
               <a:rPr lang="en-US" altLang="zh-CN"/>
-              <a:t> = </a:t>
+              <a:t> == </a:t>
             </a:r>
             <a:r>
               <a:rPr lang="en-US" altLang="zh-CN"/>
@@ -10901,6 +10901,17 @@
             <a:r>
               <a:rPr lang="zh-CN" altLang="en-US"/>
               <a:t>进行讲解</a:t>
+            </a:r>
+            <a:endParaRPr lang="zh-CN" altLang="en-US"/>
+          </a:p>
+          <a:p>
+            <a:r>
+              <a:rPr lang="zh-CN" altLang="en-US"/>
+              <a:t>授课：结合一般数组以折回的形式讲解（非</a:t>
+            </a:r>
+            <a:r>
+              <a:rPr lang="zh-CN" altLang="en-US"/>
+              <a:t>环状）</a:t>
             </a:r>
             <a:endParaRPr lang="zh-CN" altLang="en-US"/>
           </a:p>
@@ -10973,7 +10984,19 @@
           <a:p>
             <a:r>
               <a:rPr lang="zh-CN" altLang="en-US"/>
-              <a:t>编程题：最近请求次数</a:t>
+              <a:t>编程题：最近请求次数（结合代码的调用实例理解题意，</a:t>
+            </a:r>
+            <a:r>
+              <a:rPr lang="en-US" altLang="zh-CN"/>
+              <a:t>requests</a:t>
+            </a:r>
+            <a:r>
+              <a:rPr lang="zh-CN" altLang="en-US"/>
+              <a:t>为</a:t>
+            </a:r>
+            <a:r>
+              <a:rPr lang="zh-CN" altLang="en-US"/>
+              <a:t>队列）</a:t>
             </a:r>
             <a:endParaRPr lang="zh-CN" altLang="en-US"/>
           </a:p>
